--- a/PrezentacijaGuildBuild.pptx
+++ b/PrezentacijaGuildBuild.pptx
@@ -5,19 +5,20 @@
     <p:sldMasterId id="2147483672" r:id="rId1"/>
   </p:sldMasterIdLst>
   <p:notesMasterIdLst>
-    <p:notesMasterId r:id="rId12"/>
+    <p:notesMasterId r:id="rId13"/>
   </p:notesMasterIdLst>
   <p:sldIdLst>
     <p:sldId id="256" r:id="rId2"/>
     <p:sldId id="257" r:id="rId3"/>
     <p:sldId id="258" r:id="rId4"/>
     <p:sldId id="259" r:id="rId5"/>
-    <p:sldId id="260" r:id="rId6"/>
-    <p:sldId id="261" r:id="rId7"/>
-    <p:sldId id="262" r:id="rId8"/>
-    <p:sldId id="263" r:id="rId9"/>
-    <p:sldId id="265" r:id="rId10"/>
-    <p:sldId id="266" r:id="rId11"/>
+    <p:sldId id="267" r:id="rId6"/>
+    <p:sldId id="260" r:id="rId7"/>
+    <p:sldId id="261" r:id="rId8"/>
+    <p:sldId id="262" r:id="rId9"/>
+    <p:sldId id="263" r:id="rId10"/>
+    <p:sldId id="265" r:id="rId11"/>
+    <p:sldId id="266" r:id="rId12"/>
   </p:sldIdLst>
   <p:sldSz cx="9144000" cy="6858000" type="screen4x3"/>
   <p:notesSz cx="6858000" cy="9144000"/>
@@ -58611,6 +58612,290 @@
       </p:grpSpPr>
       <p:sp>
         <p:nvSpPr>
+          <p:cNvPr id="2" name="Naslov 1"/>
+          <p:cNvSpPr>
+            <a:spLocks noGrp="1"/>
+          </p:cNvSpPr>
+          <p:nvPr>
+            <p:ph type="title"/>
+          </p:nvPr>
+        </p:nvSpPr>
+        <p:spPr/>
+        <p:txBody>
+          <a:bodyPr/>
+          <a:lstStyle/>
+          <a:p>
+            <a:r>
+              <a:rPr lang="hr-HR" dirty="0"/>
+              <a:t>Članovi:</a:t>
+            </a:r>
+          </a:p>
+        </p:txBody>
+      </p:sp>
+      <p:sp>
+        <p:nvSpPr>
+          <p:cNvPr id="3" name="Rezervirano mjesto sadržaja 2"/>
+          <p:cNvSpPr>
+            <a:spLocks noGrp="1"/>
+          </p:cNvSpPr>
+          <p:nvPr>
+            <p:ph idx="1"/>
+          </p:nvPr>
+        </p:nvSpPr>
+        <p:spPr/>
+        <p:txBody>
+          <a:bodyPr/>
+          <a:lstStyle/>
+          <a:p>
+            <a:r>
+              <a:rPr lang="hr-HR" dirty="0"/>
+              <a:t>Vođa tima: Karlo </a:t>
+            </a:r>
+            <a:r>
+              <a:rPr lang="hr-HR" dirty="0" err="1"/>
+              <a:t>Poljanec</a:t>
+            </a:r>
+            <a:r>
+              <a:rPr lang="hr-HR" dirty="0"/>
+              <a:t>, </a:t>
+            </a:r>
+            <a:r>
+              <a:rPr lang="hr-HR" dirty="0" err="1">
+                <a:hlinkClick r:id="rId2"/>
+              </a:rPr>
+              <a:t>karlo.poljanec</a:t>
+            </a:r>
+            <a:r>
+              <a:rPr lang="hr-HR" dirty="0">
+                <a:hlinkClick r:id="rId2"/>
+              </a:rPr>
+              <a:t>@</a:t>
+            </a:r>
+            <a:r>
+              <a:rPr lang="hr-HR" dirty="0" err="1">
+                <a:hlinkClick r:id="rId2"/>
+              </a:rPr>
+              <a:t>fer.hr</a:t>
+            </a:r>
+            <a:endParaRPr lang="hr-HR" dirty="0"/>
+          </a:p>
+          <a:p>
+            <a:r>
+              <a:rPr lang="hr-HR" dirty="0"/>
+              <a:t>Kruno </a:t>
+            </a:r>
+            <a:r>
+              <a:rPr lang="hr-HR" dirty="0" err="1"/>
+              <a:t>Lapat</a:t>
+            </a:r>
+            <a:r>
+              <a:rPr lang="hr-HR" dirty="0"/>
+              <a:t>, </a:t>
+            </a:r>
+            <a:r>
+              <a:rPr lang="hr-HR" dirty="0" err="1">
+                <a:hlinkClick r:id="rId3"/>
+              </a:rPr>
+              <a:t>kruno.lapat</a:t>
+            </a:r>
+            <a:r>
+              <a:rPr lang="hr-HR" dirty="0">
+                <a:hlinkClick r:id="rId3"/>
+              </a:rPr>
+              <a:t>@</a:t>
+            </a:r>
+            <a:r>
+              <a:rPr lang="hr-HR" dirty="0" err="1">
+                <a:hlinkClick r:id="rId3"/>
+              </a:rPr>
+              <a:t>fer.hr</a:t>
+            </a:r>
+            <a:endParaRPr lang="hr-HR" dirty="0"/>
+          </a:p>
+          <a:p>
+            <a:r>
+              <a:rPr lang="hr-HR" dirty="0"/>
+              <a:t>Filip </a:t>
+            </a:r>
+            <a:r>
+              <a:rPr lang="hr-HR" dirty="0" err="1"/>
+              <a:t>Kerman</a:t>
+            </a:r>
+            <a:r>
+              <a:rPr lang="hr-HR" dirty="0"/>
+              <a:t>, </a:t>
+            </a:r>
+            <a:r>
+              <a:rPr lang="hr-HR" dirty="0" err="1">
+                <a:hlinkClick r:id="rId4"/>
+              </a:rPr>
+              <a:t>filip.kerman</a:t>
+            </a:r>
+            <a:r>
+              <a:rPr lang="hr-HR" dirty="0">
+                <a:hlinkClick r:id="rId4"/>
+              </a:rPr>
+              <a:t>@</a:t>
+            </a:r>
+            <a:r>
+              <a:rPr lang="hr-HR" dirty="0" err="1">
+                <a:hlinkClick r:id="rId4"/>
+              </a:rPr>
+              <a:t>fer.hr</a:t>
+            </a:r>
+            <a:endParaRPr lang="hr-HR" dirty="0"/>
+          </a:p>
+          <a:p>
+            <a:r>
+              <a:rPr lang="hr-HR" dirty="0"/>
+              <a:t>Matija </a:t>
+            </a:r>
+            <a:r>
+              <a:rPr lang="hr-HR" dirty="0" err="1"/>
+              <a:t>Krivošić</a:t>
+            </a:r>
+            <a:r>
+              <a:rPr lang="hr-HR" dirty="0"/>
+              <a:t>, </a:t>
+            </a:r>
+            <a:r>
+              <a:rPr lang="hr-HR" dirty="0" err="1">
+                <a:hlinkClick r:id="rId5"/>
+              </a:rPr>
+              <a:t>matija.krivosic</a:t>
+            </a:r>
+            <a:r>
+              <a:rPr lang="hr-HR" dirty="0">
+                <a:hlinkClick r:id="rId5"/>
+              </a:rPr>
+              <a:t>@</a:t>
+            </a:r>
+            <a:r>
+              <a:rPr lang="hr-HR" dirty="0" err="1">
+                <a:hlinkClick r:id="rId5"/>
+              </a:rPr>
+              <a:t>fer.hr</a:t>
+            </a:r>
+            <a:endParaRPr lang="hr-HR" dirty="0"/>
+          </a:p>
+          <a:p>
+            <a:r>
+              <a:rPr lang="hr-HR" dirty="0"/>
+              <a:t>Ivan Varga, </a:t>
+            </a:r>
+            <a:r>
+              <a:rPr lang="hr-HR" dirty="0" err="1">
+                <a:hlinkClick r:id="rId6"/>
+              </a:rPr>
+              <a:t>ivan.varga</a:t>
+            </a:r>
+            <a:r>
+              <a:rPr lang="hr-HR" dirty="0">
+                <a:hlinkClick r:id="rId6"/>
+              </a:rPr>
+              <a:t>@</a:t>
+            </a:r>
+            <a:r>
+              <a:rPr lang="hr-HR" dirty="0" err="1">
+                <a:hlinkClick r:id="rId6"/>
+              </a:rPr>
+              <a:t>fer.hr</a:t>
+            </a:r>
+            <a:endParaRPr lang="hr-HR" dirty="0"/>
+          </a:p>
+          <a:p>
+            <a:r>
+              <a:rPr lang="hr-HR" dirty="0"/>
+              <a:t>Ivan </a:t>
+            </a:r>
+            <a:r>
+              <a:rPr lang="hr-HR" dirty="0" err="1"/>
+              <a:t>Premužić</a:t>
+            </a:r>
+            <a:r>
+              <a:rPr lang="hr-HR" dirty="0"/>
+              <a:t>, </a:t>
+            </a:r>
+            <a:r>
+              <a:rPr lang="hr-HR" dirty="0" err="1">
+                <a:hlinkClick r:id="rId7"/>
+              </a:rPr>
+              <a:t>ivan.premuzic</a:t>
+            </a:r>
+            <a:r>
+              <a:rPr lang="hr-HR" dirty="0">
+                <a:hlinkClick r:id="rId7"/>
+              </a:rPr>
+              <a:t>@</a:t>
+            </a:r>
+            <a:r>
+              <a:rPr lang="hr-HR" dirty="0" err="1">
+                <a:hlinkClick r:id="rId7"/>
+              </a:rPr>
+              <a:t>fer.hr</a:t>
+            </a:r>
+            <a:r>
+              <a:rPr lang="hr-HR" dirty="0"/>
+              <a:t> </a:t>
+            </a:r>
+          </a:p>
+        </p:txBody>
+      </p:sp>
+      <p:sp>
+        <p:nvSpPr>
+          <p:cNvPr id="4" name="Rezervirano mjesto broja slajda 3"/>
+          <p:cNvSpPr>
+            <a:spLocks noGrp="1"/>
+          </p:cNvSpPr>
+          <p:nvPr>
+            <p:ph type="sldNum" sz="quarter" idx="12"/>
+          </p:nvPr>
+        </p:nvSpPr>
+        <p:spPr/>
+        <p:txBody>
+          <a:bodyPr/>
+          <a:lstStyle/>
+          <a:p>
+            <a:fld id="{FAA41844-C0CA-4144-9D6C-D993F0C0FAB4}" type="slidenum">
+              <a:rPr lang="hr-HR" smtClean="0"/>
+              <a:t>10</a:t>
+            </a:fld>
+            <a:endParaRPr lang="hr-HR"/>
+          </a:p>
+        </p:txBody>
+      </p:sp>
+    </p:spTree>
+    <p:extLst>
+      <p:ext uri="{BB962C8B-B14F-4D97-AF65-F5344CB8AC3E}">
+        <p14:creationId xmlns:p14="http://schemas.microsoft.com/office/powerpoint/2010/main" val="3195064796"/>
+      </p:ext>
+    </p:extLst>
+  </p:cSld>
+  <p:clrMapOvr>
+    <a:masterClrMapping/>
+  </p:clrMapOvr>
+</p:sld>
+</file>
+
+<file path=ppt/slides/slide11.xml><?xml version="1.0" encoding="utf-8"?>
+<p:sld xmlns:a="http://schemas.openxmlformats.org/drawingml/2006/main" xmlns:r="http://schemas.openxmlformats.org/officeDocument/2006/relationships" xmlns:p="http://schemas.openxmlformats.org/presentationml/2006/main">
+  <p:cSld>
+    <p:spTree>
+      <p:nvGrpSpPr>
+        <p:cNvPr id="1" name=""/>
+        <p:cNvGrpSpPr/>
+        <p:nvPr/>
+      </p:nvGrpSpPr>
+      <p:grpSpPr>
+        <a:xfrm>
+          <a:off x="0" y="0"/>
+          <a:ext cx="0" cy="0"/>
+          <a:chOff x="0" y="0"/>
+          <a:chExt cx="0" cy="0"/>
+        </a:xfrm>
+      </p:grpSpPr>
+      <p:sp>
+        <p:nvSpPr>
           <p:cNvPr id="3" name="Rezervirano mjesto teksta 2"/>
           <p:cNvSpPr>
             <a:spLocks noGrp="1"/>
@@ -58705,7 +58990,7 @@
           <a:p>
             <a:fld id="{FAA41844-C0CA-4144-9D6C-D993F0C0FAB4}" type="slidenum">
               <a:rPr lang="hr-HR" smtClean="0"/>
-              <a:t>10</a:t>
+              <a:t>11</a:t>
             </a:fld>
             <a:endParaRPr lang="hr-HR"/>
           </a:p>
@@ -59031,7 +59316,7 @@
         <p:spPr/>
         <p:txBody>
           <a:bodyPr>
-            <a:normAutofit lnSpcReduction="10000"/>
+            <a:normAutofit/>
           </a:bodyPr>
           <a:lstStyle/>
           <a:p>
@@ -59123,26 +59408,10 @@
             </a:r>
           </a:p>
           <a:p>
-            <a:pPr lvl="1"/>
+            <a:pPr marL="457200" lvl="1" indent="0">
+              <a:buNone/>
+            </a:pPr>
             <a:endParaRPr lang="hr-HR" dirty="0"/>
-          </a:p>
-          <a:p>
-            <a:r>
-              <a:rPr lang="hr-HR" i="1" dirty="0"/>
-              <a:t>Nefunkcionalni i zahtjevi domene primjene (</a:t>
-            </a:r>
-            <a:r>
-              <a:rPr lang="hr-HR" i="1" dirty="0" err="1"/>
-              <a:t>max</a:t>
-            </a:r>
-            <a:r>
-              <a:rPr lang="hr-HR" i="1" dirty="0"/>
-              <a:t> 1 slajd) </a:t>
-            </a:r>
-            <a:r>
-              <a:rPr lang="hr-HR" dirty="0"/>
-              <a:t>(DODATI NA NOVI SLAJD)</a:t>
-            </a:r>
           </a:p>
         </p:txBody>
       </p:sp>
@@ -59183,6 +59452,157 @@
 </file>
 
 <file path=ppt/slides/slide5.xml><?xml version="1.0" encoding="utf-8"?>
+<p:sld xmlns:a="http://schemas.openxmlformats.org/drawingml/2006/main" xmlns:r="http://schemas.openxmlformats.org/officeDocument/2006/relationships" xmlns:p="http://schemas.openxmlformats.org/presentationml/2006/main">
+  <p:cSld>
+    <p:spTree>
+      <p:nvGrpSpPr>
+        <p:cNvPr id="1" name=""/>
+        <p:cNvGrpSpPr/>
+        <p:nvPr/>
+      </p:nvGrpSpPr>
+      <p:grpSpPr>
+        <a:xfrm>
+          <a:off x="0" y="0"/>
+          <a:ext cx="0" cy="0"/>
+          <a:chOff x="0" y="0"/>
+          <a:chExt cx="0" cy="0"/>
+        </a:xfrm>
+      </p:grpSpPr>
+      <p:sp>
+        <p:nvSpPr>
+          <p:cNvPr id="2" name="Naslov 1">
+            <a:extLst>
+              <a:ext uri="{FF2B5EF4-FFF2-40B4-BE49-F238E27FC236}">
+                <a16:creationId xmlns:a16="http://schemas.microsoft.com/office/drawing/2014/main" id="{18595BFE-0D68-4CC6-92C8-1D55F171DAE7}"/>
+              </a:ext>
+            </a:extLst>
+          </p:cNvPr>
+          <p:cNvSpPr>
+            <a:spLocks noGrp="1"/>
+          </p:cNvSpPr>
+          <p:nvPr>
+            <p:ph type="title"/>
+          </p:nvPr>
+        </p:nvSpPr>
+        <p:spPr/>
+        <p:txBody>
+          <a:bodyPr/>
+          <a:lstStyle/>
+          <a:p>
+            <a:r>
+              <a:rPr lang="hr-HR" dirty="0"/>
+              <a:t>Pregled ostalih zahtjeva</a:t>
+            </a:r>
+          </a:p>
+        </p:txBody>
+      </p:sp>
+      <p:sp>
+        <p:nvSpPr>
+          <p:cNvPr id="3" name="Rezervirano mjesto sadržaja 2">
+            <a:extLst>
+              <a:ext uri="{FF2B5EF4-FFF2-40B4-BE49-F238E27FC236}">
+                <a16:creationId xmlns:a16="http://schemas.microsoft.com/office/drawing/2014/main" id="{37B94235-1235-431C-93B9-BA8BCF807E69}"/>
+              </a:ext>
+            </a:extLst>
+          </p:cNvPr>
+          <p:cNvSpPr>
+            <a:spLocks noGrp="1"/>
+          </p:cNvSpPr>
+          <p:nvPr>
+            <p:ph idx="1"/>
+          </p:nvPr>
+        </p:nvSpPr>
+        <p:spPr/>
+        <p:txBody>
+          <a:bodyPr/>
+          <a:lstStyle/>
+          <a:p>
+            <a:endParaRPr lang="hr-HR" dirty="0"/>
+          </a:p>
+          <a:p>
+            <a:r>
+              <a:rPr lang="hr-HR" dirty="0"/>
+              <a:t>Sustav mora podržavati paralelan rad više korisnika </a:t>
+            </a:r>
+          </a:p>
+          <a:p>
+            <a:r>
+              <a:rPr lang="hr-HR" dirty="0"/>
+              <a:t>Pretraga baze podataka koju inicira korisnik ne smije trajati duže od 10 sekundi </a:t>
+            </a:r>
+          </a:p>
+          <a:p>
+            <a:r>
+              <a:rPr lang="hr-HR" dirty="0"/>
+              <a:t>Korisničko sučelje mora omogućiti više različitih razina dostupnosti ovisno o dodijeljenim korisničkim ovlastima </a:t>
+            </a:r>
+          </a:p>
+          <a:p>
+            <a:r>
+              <a:rPr lang="hr-HR" dirty="0"/>
+              <a:t>Opisana aplikacija mora biti prilagođena izvedbi na mobilnom uređaju </a:t>
+            </a:r>
+          </a:p>
+          <a:p>
+            <a:r>
+              <a:rPr lang="pl-PL" dirty="0"/>
+              <a:t>Administrator aplikacije je određen unaprijed </a:t>
+            </a:r>
+          </a:p>
+          <a:p>
+            <a:r>
+              <a:rPr lang="hr-HR" dirty="0"/>
+              <a:t>Sustav mora podržavati znakove hrvatske abecede </a:t>
+            </a:r>
+          </a:p>
+          <a:p>
+            <a:endParaRPr lang="hr-HR" dirty="0"/>
+          </a:p>
+        </p:txBody>
+      </p:sp>
+      <p:sp>
+        <p:nvSpPr>
+          <p:cNvPr id="4" name="Rezervirano mjesto broja slajda 3">
+            <a:extLst>
+              <a:ext uri="{FF2B5EF4-FFF2-40B4-BE49-F238E27FC236}">
+                <a16:creationId xmlns:a16="http://schemas.microsoft.com/office/drawing/2014/main" id="{A4870C77-BFF5-48D6-BCA8-64F300B4FEDC}"/>
+              </a:ext>
+            </a:extLst>
+          </p:cNvPr>
+          <p:cNvSpPr>
+            <a:spLocks noGrp="1"/>
+          </p:cNvSpPr>
+          <p:nvPr>
+            <p:ph type="sldNum" sz="quarter" idx="12"/>
+          </p:nvPr>
+        </p:nvSpPr>
+        <p:spPr/>
+        <p:txBody>
+          <a:bodyPr/>
+          <a:lstStyle/>
+          <a:p>
+            <a:fld id="{FAA41844-C0CA-4144-9D6C-D993F0C0FAB4}" type="slidenum">
+              <a:rPr lang="hr-HR" smtClean="0"/>
+              <a:t>5</a:t>
+            </a:fld>
+            <a:endParaRPr lang="hr-HR"/>
+          </a:p>
+        </p:txBody>
+      </p:sp>
+    </p:spTree>
+    <p:extLst>
+      <p:ext uri="{BB962C8B-B14F-4D97-AF65-F5344CB8AC3E}">
+        <p14:creationId xmlns:p14="http://schemas.microsoft.com/office/powerpoint/2010/main" val="40136067"/>
+      </p:ext>
+    </p:extLst>
+  </p:cSld>
+  <p:clrMapOvr>
+    <a:masterClrMapping/>
+  </p:clrMapOvr>
+</p:sld>
+</file>
+
+<file path=ppt/slides/slide6.xml><?xml version="1.0" encoding="utf-8"?>
 <p:sld xmlns:a="http://schemas.openxmlformats.org/drawingml/2006/main" xmlns:r="http://schemas.openxmlformats.org/officeDocument/2006/relationships" xmlns:p="http://schemas.openxmlformats.org/presentationml/2006/main">
   <p:cSld>
     <p:spTree>
@@ -59496,7 +59916,7 @@
           <a:p>
             <a:fld id="{FAA41844-C0CA-4144-9D6C-D993F0C0FAB4}" type="slidenum">
               <a:rPr lang="hr-HR" smtClean="0"/>
-              <a:t>5</a:t>
+              <a:t>6</a:t>
             </a:fld>
             <a:endParaRPr lang="hr-HR"/>
           </a:p>
@@ -59515,7 +59935,7 @@
 </p:sld>
 </file>
 
-<file path=ppt/slides/slide6.xml><?xml version="1.0" encoding="utf-8"?>
+<file path=ppt/slides/slide7.xml><?xml version="1.0" encoding="utf-8"?>
 <p:sld xmlns:a="http://schemas.openxmlformats.org/drawingml/2006/main" xmlns:r="http://schemas.openxmlformats.org/officeDocument/2006/relationships" xmlns:p="http://schemas.openxmlformats.org/presentationml/2006/main">
   <p:cSld>
     <p:spTree>
@@ -59607,7 +60027,7 @@
           <a:p>
             <a:fld id="{FAA41844-C0CA-4144-9D6C-D993F0C0FAB4}" type="slidenum">
               <a:rPr lang="hr-HR" smtClean="0"/>
-              <a:t>6</a:t>
+              <a:t>7</a:t>
             </a:fld>
             <a:endParaRPr lang="hr-HR"/>
           </a:p>
@@ -59656,7 +60076,7 @@
 </p:sld>
 </file>
 
-<file path=ppt/slides/slide7.xml><?xml version="1.0" encoding="utf-8"?>
+<file path=ppt/slides/slide8.xml><?xml version="1.0" encoding="utf-8"?>
 <p:sld xmlns:a="http://schemas.openxmlformats.org/drawingml/2006/main" xmlns:r="http://schemas.openxmlformats.org/officeDocument/2006/relationships" xmlns:p="http://schemas.openxmlformats.org/presentationml/2006/main">
   <p:cSld>
     <p:spTree>
@@ -60490,7 +60910,7 @@
           <a:p>
             <a:fld id="{FAA41844-C0CA-4144-9D6C-D993F0C0FAB4}" type="slidenum">
               <a:rPr lang="hr-HR" smtClean="0"/>
-              <a:t>7</a:t>
+              <a:t>8</a:t>
             </a:fld>
             <a:endParaRPr lang="hr-HR"/>
           </a:p>
@@ -60509,7 +60929,7 @@
 </p:sld>
 </file>
 
-<file path=ppt/slides/slide8.xml><?xml version="1.0" encoding="utf-8"?>
+<file path=ppt/slides/slide9.xml><?xml version="1.0" encoding="utf-8"?>
 <p:sld xmlns:a="http://schemas.openxmlformats.org/drawingml/2006/main" xmlns:r="http://schemas.openxmlformats.org/officeDocument/2006/relationships" xmlns:p="http://schemas.openxmlformats.org/presentationml/2006/main">
   <p:cSld>
     <p:spTree>
@@ -60653,7 +61073,7 @@
           <a:p>
             <a:fld id="{FAA41844-C0CA-4144-9D6C-D993F0C0FAB4}" type="slidenum">
               <a:rPr lang="hr-HR" smtClean="0"/>
-              <a:t>8</a:t>
+              <a:t>9</a:t>
             </a:fld>
             <a:endParaRPr lang="hr-HR"/>
           </a:p>
@@ -60663,290 +61083,6 @@
     <p:extLst>
       <p:ext uri="{BB962C8B-B14F-4D97-AF65-F5344CB8AC3E}">
         <p14:creationId xmlns:p14="http://schemas.microsoft.com/office/powerpoint/2010/main" val="48259320"/>
-      </p:ext>
-    </p:extLst>
-  </p:cSld>
-  <p:clrMapOvr>
-    <a:masterClrMapping/>
-  </p:clrMapOvr>
-</p:sld>
-</file>
-
-<file path=ppt/slides/slide9.xml><?xml version="1.0" encoding="utf-8"?>
-<p:sld xmlns:a="http://schemas.openxmlformats.org/drawingml/2006/main" xmlns:r="http://schemas.openxmlformats.org/officeDocument/2006/relationships" xmlns:p="http://schemas.openxmlformats.org/presentationml/2006/main">
-  <p:cSld>
-    <p:spTree>
-      <p:nvGrpSpPr>
-        <p:cNvPr id="1" name=""/>
-        <p:cNvGrpSpPr/>
-        <p:nvPr/>
-      </p:nvGrpSpPr>
-      <p:grpSpPr>
-        <a:xfrm>
-          <a:off x="0" y="0"/>
-          <a:ext cx="0" cy="0"/>
-          <a:chOff x="0" y="0"/>
-          <a:chExt cx="0" cy="0"/>
-        </a:xfrm>
-      </p:grpSpPr>
-      <p:sp>
-        <p:nvSpPr>
-          <p:cNvPr id="2" name="Naslov 1"/>
-          <p:cNvSpPr>
-            <a:spLocks noGrp="1"/>
-          </p:cNvSpPr>
-          <p:nvPr>
-            <p:ph type="title"/>
-          </p:nvPr>
-        </p:nvSpPr>
-        <p:spPr/>
-        <p:txBody>
-          <a:bodyPr/>
-          <a:lstStyle/>
-          <a:p>
-            <a:r>
-              <a:rPr lang="hr-HR" dirty="0"/>
-              <a:t>Članovi:</a:t>
-            </a:r>
-          </a:p>
-        </p:txBody>
-      </p:sp>
-      <p:sp>
-        <p:nvSpPr>
-          <p:cNvPr id="3" name="Rezervirano mjesto sadržaja 2"/>
-          <p:cNvSpPr>
-            <a:spLocks noGrp="1"/>
-          </p:cNvSpPr>
-          <p:nvPr>
-            <p:ph idx="1"/>
-          </p:nvPr>
-        </p:nvSpPr>
-        <p:spPr/>
-        <p:txBody>
-          <a:bodyPr/>
-          <a:lstStyle/>
-          <a:p>
-            <a:r>
-              <a:rPr lang="hr-HR" dirty="0"/>
-              <a:t>Vođa tima: Karlo </a:t>
-            </a:r>
-            <a:r>
-              <a:rPr lang="hr-HR" dirty="0" err="1"/>
-              <a:t>Poljanec</a:t>
-            </a:r>
-            <a:r>
-              <a:rPr lang="hr-HR" dirty="0"/>
-              <a:t>, </a:t>
-            </a:r>
-            <a:r>
-              <a:rPr lang="hr-HR" dirty="0" err="1">
-                <a:hlinkClick r:id="rId2"/>
-              </a:rPr>
-              <a:t>karlo.poljanec</a:t>
-            </a:r>
-            <a:r>
-              <a:rPr lang="hr-HR" dirty="0">
-                <a:hlinkClick r:id="rId2"/>
-              </a:rPr>
-              <a:t>@</a:t>
-            </a:r>
-            <a:r>
-              <a:rPr lang="hr-HR" dirty="0" err="1">
-                <a:hlinkClick r:id="rId2"/>
-              </a:rPr>
-              <a:t>fer.hr</a:t>
-            </a:r>
-            <a:endParaRPr lang="hr-HR" dirty="0"/>
-          </a:p>
-          <a:p>
-            <a:r>
-              <a:rPr lang="hr-HR" dirty="0"/>
-              <a:t>Kruno </a:t>
-            </a:r>
-            <a:r>
-              <a:rPr lang="hr-HR" dirty="0" err="1"/>
-              <a:t>Lapat</a:t>
-            </a:r>
-            <a:r>
-              <a:rPr lang="hr-HR" dirty="0"/>
-              <a:t>, </a:t>
-            </a:r>
-            <a:r>
-              <a:rPr lang="hr-HR" dirty="0" err="1">
-                <a:hlinkClick r:id="rId3"/>
-              </a:rPr>
-              <a:t>kruno.lapat</a:t>
-            </a:r>
-            <a:r>
-              <a:rPr lang="hr-HR" dirty="0">
-                <a:hlinkClick r:id="rId3"/>
-              </a:rPr>
-              <a:t>@</a:t>
-            </a:r>
-            <a:r>
-              <a:rPr lang="hr-HR" dirty="0" err="1">
-                <a:hlinkClick r:id="rId3"/>
-              </a:rPr>
-              <a:t>fer.hr</a:t>
-            </a:r>
-            <a:endParaRPr lang="hr-HR" dirty="0"/>
-          </a:p>
-          <a:p>
-            <a:r>
-              <a:rPr lang="hr-HR" dirty="0"/>
-              <a:t>Filip </a:t>
-            </a:r>
-            <a:r>
-              <a:rPr lang="hr-HR" dirty="0" err="1"/>
-              <a:t>Kerman</a:t>
-            </a:r>
-            <a:r>
-              <a:rPr lang="hr-HR" dirty="0"/>
-              <a:t>, </a:t>
-            </a:r>
-            <a:r>
-              <a:rPr lang="hr-HR" dirty="0" err="1">
-                <a:hlinkClick r:id="rId4"/>
-              </a:rPr>
-              <a:t>filip.kerman</a:t>
-            </a:r>
-            <a:r>
-              <a:rPr lang="hr-HR" dirty="0">
-                <a:hlinkClick r:id="rId4"/>
-              </a:rPr>
-              <a:t>@</a:t>
-            </a:r>
-            <a:r>
-              <a:rPr lang="hr-HR" dirty="0" err="1">
-                <a:hlinkClick r:id="rId4"/>
-              </a:rPr>
-              <a:t>fer.hr</a:t>
-            </a:r>
-            <a:endParaRPr lang="hr-HR" dirty="0"/>
-          </a:p>
-          <a:p>
-            <a:r>
-              <a:rPr lang="hr-HR" dirty="0"/>
-              <a:t>Matija </a:t>
-            </a:r>
-            <a:r>
-              <a:rPr lang="hr-HR" dirty="0" err="1"/>
-              <a:t>Krivošić</a:t>
-            </a:r>
-            <a:r>
-              <a:rPr lang="hr-HR" dirty="0"/>
-              <a:t>, </a:t>
-            </a:r>
-            <a:r>
-              <a:rPr lang="hr-HR" dirty="0" err="1">
-                <a:hlinkClick r:id="rId5"/>
-              </a:rPr>
-              <a:t>matija.krivosic</a:t>
-            </a:r>
-            <a:r>
-              <a:rPr lang="hr-HR" dirty="0">
-                <a:hlinkClick r:id="rId5"/>
-              </a:rPr>
-              <a:t>@</a:t>
-            </a:r>
-            <a:r>
-              <a:rPr lang="hr-HR" dirty="0" err="1">
-                <a:hlinkClick r:id="rId5"/>
-              </a:rPr>
-              <a:t>fer.hr</a:t>
-            </a:r>
-            <a:endParaRPr lang="hr-HR" dirty="0"/>
-          </a:p>
-          <a:p>
-            <a:r>
-              <a:rPr lang="hr-HR" dirty="0"/>
-              <a:t>Ivan Varga, </a:t>
-            </a:r>
-            <a:r>
-              <a:rPr lang="hr-HR" dirty="0" err="1">
-                <a:hlinkClick r:id="rId6"/>
-              </a:rPr>
-              <a:t>ivan.varga</a:t>
-            </a:r>
-            <a:r>
-              <a:rPr lang="hr-HR" dirty="0">
-                <a:hlinkClick r:id="rId6"/>
-              </a:rPr>
-              <a:t>@</a:t>
-            </a:r>
-            <a:r>
-              <a:rPr lang="hr-HR" dirty="0" err="1">
-                <a:hlinkClick r:id="rId6"/>
-              </a:rPr>
-              <a:t>fer.hr</a:t>
-            </a:r>
-            <a:endParaRPr lang="hr-HR" dirty="0"/>
-          </a:p>
-          <a:p>
-            <a:r>
-              <a:rPr lang="hr-HR" dirty="0"/>
-              <a:t>Ivan </a:t>
-            </a:r>
-            <a:r>
-              <a:rPr lang="hr-HR" dirty="0" err="1"/>
-              <a:t>Premužić</a:t>
-            </a:r>
-            <a:r>
-              <a:rPr lang="hr-HR" dirty="0"/>
-              <a:t>, </a:t>
-            </a:r>
-            <a:r>
-              <a:rPr lang="hr-HR" dirty="0" err="1">
-                <a:hlinkClick r:id="rId7"/>
-              </a:rPr>
-              <a:t>ivan.premuzic</a:t>
-            </a:r>
-            <a:r>
-              <a:rPr lang="hr-HR" dirty="0">
-                <a:hlinkClick r:id="rId7"/>
-              </a:rPr>
-              <a:t>@</a:t>
-            </a:r>
-            <a:r>
-              <a:rPr lang="hr-HR" dirty="0" err="1">
-                <a:hlinkClick r:id="rId7"/>
-              </a:rPr>
-              <a:t>fer.hr</a:t>
-            </a:r>
-            <a:r>
-              <a:rPr lang="hr-HR" dirty="0"/>
-              <a:t> </a:t>
-            </a:r>
-          </a:p>
-        </p:txBody>
-      </p:sp>
-      <p:sp>
-        <p:nvSpPr>
-          <p:cNvPr id="4" name="Rezervirano mjesto broja slajda 3"/>
-          <p:cNvSpPr>
-            <a:spLocks noGrp="1"/>
-          </p:cNvSpPr>
-          <p:nvPr>
-            <p:ph type="sldNum" sz="quarter" idx="12"/>
-          </p:nvPr>
-        </p:nvSpPr>
-        <p:spPr/>
-        <p:txBody>
-          <a:bodyPr/>
-          <a:lstStyle/>
-          <a:p>
-            <a:fld id="{FAA41844-C0CA-4144-9D6C-D993F0C0FAB4}" type="slidenum">
-              <a:rPr lang="hr-HR" smtClean="0"/>
-              <a:t>9</a:t>
-            </a:fld>
-            <a:endParaRPr lang="hr-HR"/>
-          </a:p>
-        </p:txBody>
-      </p:sp>
-    </p:spTree>
-    <p:extLst>
-      <p:ext uri="{BB962C8B-B14F-4D97-AF65-F5344CB8AC3E}">
-        <p14:creationId xmlns:p14="http://schemas.microsoft.com/office/powerpoint/2010/main" val="3195064796"/>
       </p:ext>
     </p:extLst>
   </p:cSld>
